--- a/Slides/WPF and XAML/8.0 MVVM with XAML.pptx
+++ b/Slides/WPF and XAML/8.0 MVVM with XAML.pptx
@@ -259,7 +259,7 @@
           <a:p>
             <a:fld id="{A254CC92-A4AB-4748-8201-8CC8FC025F54}" type="datetimeFigureOut">
               <a:rPr lang="en-US" smtClean="0"/>
-              <a:t>2/1/2015</a:t>
+              <a:t>2/2/2015</a:t>
             </a:fld>
             <a:endParaRPr lang="en-US"/>
           </a:p>
@@ -429,7 +429,7 @@
           <a:p>
             <a:fld id="{A254CC92-A4AB-4748-8201-8CC8FC025F54}" type="datetimeFigureOut">
               <a:rPr lang="en-US" smtClean="0"/>
-              <a:t>2/1/2015</a:t>
+              <a:t>2/2/2015</a:t>
             </a:fld>
             <a:endParaRPr lang="en-US"/>
           </a:p>
@@ -609,7 +609,7 @@
           <a:p>
             <a:fld id="{A254CC92-A4AB-4748-8201-8CC8FC025F54}" type="datetimeFigureOut">
               <a:rPr lang="en-US" smtClean="0"/>
-              <a:t>2/1/2015</a:t>
+              <a:t>2/2/2015</a:t>
             </a:fld>
             <a:endParaRPr lang="en-US"/>
           </a:p>
@@ -779,7 +779,7 @@
           <a:p>
             <a:fld id="{A254CC92-A4AB-4748-8201-8CC8FC025F54}" type="datetimeFigureOut">
               <a:rPr lang="en-US" smtClean="0"/>
-              <a:t>2/1/2015</a:t>
+              <a:t>2/2/2015</a:t>
             </a:fld>
             <a:endParaRPr lang="en-US"/>
           </a:p>
@@ -1023,7 +1023,7 @@
           <a:p>
             <a:fld id="{A254CC92-A4AB-4748-8201-8CC8FC025F54}" type="datetimeFigureOut">
               <a:rPr lang="en-US" smtClean="0"/>
-              <a:t>2/1/2015</a:t>
+              <a:t>2/2/2015</a:t>
             </a:fld>
             <a:endParaRPr lang="en-US"/>
           </a:p>
@@ -1255,7 +1255,7 @@
           <a:p>
             <a:fld id="{A254CC92-A4AB-4748-8201-8CC8FC025F54}" type="datetimeFigureOut">
               <a:rPr lang="en-US" smtClean="0"/>
-              <a:t>2/1/2015</a:t>
+              <a:t>2/2/2015</a:t>
             </a:fld>
             <a:endParaRPr lang="en-US"/>
           </a:p>
@@ -1622,7 +1622,7 @@
           <a:p>
             <a:fld id="{A254CC92-A4AB-4748-8201-8CC8FC025F54}" type="datetimeFigureOut">
               <a:rPr lang="en-US" smtClean="0"/>
-              <a:t>2/1/2015</a:t>
+              <a:t>2/2/2015</a:t>
             </a:fld>
             <a:endParaRPr lang="en-US"/>
           </a:p>
@@ -1740,7 +1740,7 @@
           <a:p>
             <a:fld id="{A254CC92-A4AB-4748-8201-8CC8FC025F54}" type="datetimeFigureOut">
               <a:rPr lang="en-US" smtClean="0"/>
-              <a:t>2/1/2015</a:t>
+              <a:t>2/2/2015</a:t>
             </a:fld>
             <a:endParaRPr lang="en-US"/>
           </a:p>
@@ -1835,7 +1835,7 @@
           <a:p>
             <a:fld id="{A254CC92-A4AB-4748-8201-8CC8FC025F54}" type="datetimeFigureOut">
               <a:rPr lang="en-US" smtClean="0"/>
-              <a:t>2/1/2015</a:t>
+              <a:t>2/2/2015</a:t>
             </a:fld>
             <a:endParaRPr lang="en-US"/>
           </a:p>
@@ -2112,7 +2112,7 @@
           <a:p>
             <a:fld id="{A254CC92-A4AB-4748-8201-8CC8FC025F54}" type="datetimeFigureOut">
               <a:rPr lang="en-US" smtClean="0"/>
-              <a:t>2/1/2015</a:t>
+              <a:t>2/2/2015</a:t>
             </a:fld>
             <a:endParaRPr lang="en-US"/>
           </a:p>
@@ -2369,7 +2369,7 @@
           <a:p>
             <a:fld id="{A254CC92-A4AB-4748-8201-8CC8FC025F54}" type="datetimeFigureOut">
               <a:rPr lang="en-US" smtClean="0"/>
-              <a:t>2/1/2015</a:t>
+              <a:t>2/2/2015</a:t>
             </a:fld>
             <a:endParaRPr lang="en-US"/>
           </a:p>
@@ -2582,7 +2582,7 @@
           <a:p>
             <a:fld id="{A254CC92-A4AB-4748-8201-8CC8FC025F54}" type="datetimeFigureOut">
               <a:rPr lang="en-US" smtClean="0"/>
-              <a:t>2/1/2015</a:t>
+              <a:t>2/2/2015</a:t>
             </a:fld>
             <a:endParaRPr lang="en-US"/>
           </a:p>
@@ -3235,9 +3235,12 @@
           <a:p>
             <a:r>
               <a:rPr lang="en-US" dirty="0" smtClean="0"/>
-              <a:t>View model knows how to get the model data and create a representation for the View</a:t>
-            </a:r>
-            <a:endParaRPr lang="en-US" dirty="0"/>
+              <a:t>View model knows how to get the model data and create a representation for the </a:t>
+            </a:r>
+            <a:r>
+              <a:rPr lang="en-US" dirty="0" smtClean="0"/>
+              <a:t>View</a:t>
+            </a:r>
           </a:p>
         </p:txBody>
       </p:sp>
@@ -3574,8 +3577,8 @@
           </a:p>
           <a:p>
             <a:r>
-              <a:rPr lang="en-US" dirty="0" err="1" smtClean="0"/>
-              <a:t>Prisnm</a:t>
+              <a:rPr lang="en-US" dirty="0" smtClean="0"/>
+              <a:t>Microsoft Prism</a:t>
             </a:r>
             <a:endParaRPr lang="en-US" dirty="0" smtClean="0"/>
           </a:p>
@@ -4519,7 +4522,7 @@
         </p:nvSpPr>
         <p:spPr>
           <a:xfrm>
-            <a:off x="1599130" y="1971675"/>
+            <a:off x="1752600" y="1857375"/>
             <a:ext cx="5638800" cy="914400"/>
           </a:xfrm>
           <a:prstGeom prst="rect">
